--- a/Hate_Crimes_Data_Analysis_Presentation.pptx
+++ b/Hate_Crimes_Data_Analysis_Presentation.pptx
@@ -7,18 +7,20 @@
   <p:sldIdLst>
     <p:sldId id="256" r:id="rId2"/>
     <p:sldId id="257" r:id="rId3"/>
-    <p:sldId id="258" r:id="rId4"/>
-    <p:sldId id="259" r:id="rId5"/>
-    <p:sldId id="260" r:id="rId6"/>
-    <p:sldId id="261" r:id="rId7"/>
-    <p:sldId id="262" r:id="rId8"/>
-    <p:sldId id="263" r:id="rId9"/>
-    <p:sldId id="264" r:id="rId10"/>
-    <p:sldId id="265" r:id="rId11"/>
-    <p:sldId id="266" r:id="rId12"/>
-    <p:sldId id="267" r:id="rId13"/>
-    <p:sldId id="268" r:id="rId14"/>
-    <p:sldId id="269" r:id="rId15"/>
+    <p:sldId id="270" r:id="rId4"/>
+    <p:sldId id="258" r:id="rId5"/>
+    <p:sldId id="259" r:id="rId6"/>
+    <p:sldId id="260" r:id="rId7"/>
+    <p:sldId id="261" r:id="rId8"/>
+    <p:sldId id="262" r:id="rId9"/>
+    <p:sldId id="263" r:id="rId10"/>
+    <p:sldId id="264" r:id="rId11"/>
+    <p:sldId id="265" r:id="rId12"/>
+    <p:sldId id="266" r:id="rId13"/>
+    <p:sldId id="267" r:id="rId14"/>
+    <p:sldId id="268" r:id="rId15"/>
+    <p:sldId id="271" r:id="rId16"/>
+    <p:sldId id="269" r:id="rId17"/>
   </p:sldIdLst>
   <p:sldSz cx="12192000" cy="6858000"/>
   <p:notesSz cx="6858000" cy="9144000"/>
@@ -117,6 +119,11 @@
       </a:defRPr>
     </a:lvl9pPr>
   </p:defaultTextStyle>
+  <p:extLst>
+    <p:ext uri="{EFAFB233-063F-42B5-8137-9DF3F51BA10A}">
+      <p15:sldGuideLst xmlns:p15="http://schemas.microsoft.com/office/powerpoint/2012/main"/>
+    </p:ext>
+  </p:extLst>
 </p:presentation>
 </file>
 
@@ -279,7 +286,7 @@
           <a:p>
             <a:fld id="{BA5FFE7C-4814-4DA3-947F-559C31BBD0D9}" type="datetimeFigureOut">
               <a:rPr lang="en-US" smtClean="0"/>
-              <a:t>3/31/2019</a:t>
+              <a:t>4/6/2019</a:t>
             </a:fld>
             <a:endParaRPr lang="en-US"/>
           </a:p>
@@ -477,7 +484,7 @@
           <a:p>
             <a:fld id="{BA5FFE7C-4814-4DA3-947F-559C31BBD0D9}" type="datetimeFigureOut">
               <a:rPr lang="en-US" smtClean="0"/>
-              <a:t>3/31/2019</a:t>
+              <a:t>4/6/2019</a:t>
             </a:fld>
             <a:endParaRPr lang="en-US"/>
           </a:p>
@@ -685,7 +692,7 @@
           <a:p>
             <a:fld id="{BA5FFE7C-4814-4DA3-947F-559C31BBD0D9}" type="datetimeFigureOut">
               <a:rPr lang="en-US" smtClean="0"/>
-              <a:t>3/31/2019</a:t>
+              <a:t>4/6/2019</a:t>
             </a:fld>
             <a:endParaRPr lang="en-US"/>
           </a:p>
@@ -883,7 +890,7 @@
           <a:p>
             <a:fld id="{BA5FFE7C-4814-4DA3-947F-559C31BBD0D9}" type="datetimeFigureOut">
               <a:rPr lang="en-US" smtClean="0"/>
-              <a:t>3/31/2019</a:t>
+              <a:t>4/6/2019</a:t>
             </a:fld>
             <a:endParaRPr lang="en-US"/>
           </a:p>
@@ -1158,7 +1165,7 @@
           <a:p>
             <a:fld id="{BA5FFE7C-4814-4DA3-947F-559C31BBD0D9}" type="datetimeFigureOut">
               <a:rPr lang="en-US" smtClean="0"/>
-              <a:t>3/31/2019</a:t>
+              <a:t>4/6/2019</a:t>
             </a:fld>
             <a:endParaRPr lang="en-US"/>
           </a:p>
@@ -1423,7 +1430,7 @@
           <a:p>
             <a:fld id="{BA5FFE7C-4814-4DA3-947F-559C31BBD0D9}" type="datetimeFigureOut">
               <a:rPr lang="en-US" smtClean="0"/>
-              <a:t>3/31/2019</a:t>
+              <a:t>4/6/2019</a:t>
             </a:fld>
             <a:endParaRPr lang="en-US"/>
           </a:p>
@@ -1835,7 +1842,7 @@
           <a:p>
             <a:fld id="{BA5FFE7C-4814-4DA3-947F-559C31BBD0D9}" type="datetimeFigureOut">
               <a:rPr lang="en-US" smtClean="0"/>
-              <a:t>3/31/2019</a:t>
+              <a:t>4/6/2019</a:t>
             </a:fld>
             <a:endParaRPr lang="en-US"/>
           </a:p>
@@ -1976,7 +1983,7 @@
           <a:p>
             <a:fld id="{BA5FFE7C-4814-4DA3-947F-559C31BBD0D9}" type="datetimeFigureOut">
               <a:rPr lang="en-US" smtClean="0"/>
-              <a:t>3/31/2019</a:t>
+              <a:t>4/6/2019</a:t>
             </a:fld>
             <a:endParaRPr lang="en-US"/>
           </a:p>
@@ -2089,7 +2096,7 @@
           <a:p>
             <a:fld id="{BA5FFE7C-4814-4DA3-947F-559C31BBD0D9}" type="datetimeFigureOut">
               <a:rPr lang="en-US" smtClean="0"/>
-              <a:t>3/31/2019</a:t>
+              <a:t>4/6/2019</a:t>
             </a:fld>
             <a:endParaRPr lang="en-US"/>
           </a:p>
@@ -2400,7 +2407,7 @@
           <a:p>
             <a:fld id="{BA5FFE7C-4814-4DA3-947F-559C31BBD0D9}" type="datetimeFigureOut">
               <a:rPr lang="en-US" smtClean="0"/>
-              <a:t>3/31/2019</a:t>
+              <a:t>4/6/2019</a:t>
             </a:fld>
             <a:endParaRPr lang="en-US"/>
           </a:p>
@@ -2691,7 +2698,7 @@
           <a:p>
             <a:fld id="{BA5FFE7C-4814-4DA3-947F-559C31BBD0D9}" type="datetimeFigureOut">
               <a:rPr lang="en-US" smtClean="0"/>
-              <a:t>3/31/2019</a:t>
+              <a:t>4/6/2019</a:t>
             </a:fld>
             <a:endParaRPr lang="en-US"/>
           </a:p>
@@ -2932,7 +2939,7 @@
           <a:p>
             <a:fld id="{BA5FFE7C-4814-4DA3-947F-559C31BBD0D9}" type="datetimeFigureOut">
               <a:rPr lang="en-US" smtClean="0"/>
-              <a:t>3/31/2019</a:t>
+              <a:t>4/6/2019</a:t>
             </a:fld>
             <a:endParaRPr lang="en-US"/>
           </a:p>
@@ -3533,7 +3540,7 @@
           <p:cNvPr id="2" name="Title 1">
             <a:extLst>
               <a:ext uri="{FF2B5EF4-FFF2-40B4-BE49-F238E27FC236}">
-                <a16:creationId xmlns:a16="http://schemas.microsoft.com/office/drawing/2014/main" id="{E92B2B91-CC00-408C-8036-602483CC0214}"/>
+                <a16:creationId xmlns:a16="http://schemas.microsoft.com/office/drawing/2014/main" id="{989869D5-CB99-4722-8576-F9723D726379}"/>
               </a:ext>
             </a:extLst>
           </p:cNvPr>
@@ -3564,7 +3571,7 @@
             </a:br>
             <a:r>
               <a:rPr lang="en-US" dirty="0"/>
-              <a:t>Question 4</a:t>
+              <a:t>Question 3</a:t>
             </a:r>
             <a:br>
               <a:rPr lang="en-US" dirty="0"/>
@@ -3578,7 +3585,7 @@
           <p:cNvPr id="3" name="Content Placeholder 2">
             <a:extLst>
               <a:ext uri="{FF2B5EF4-FFF2-40B4-BE49-F238E27FC236}">
-                <a16:creationId xmlns:a16="http://schemas.microsoft.com/office/drawing/2014/main" id="{1F021B9E-E96C-46D0-9283-308CDB316014}"/>
+                <a16:creationId xmlns:a16="http://schemas.microsoft.com/office/drawing/2014/main" id="{71C9FC38-AA34-4B5F-8327-29B70C7852ED}"/>
               </a:ext>
             </a:extLst>
           </p:cNvPr>
@@ -3601,7 +3608,7 @@
     </p:spTree>
     <p:extLst>
       <p:ext uri="{BB962C8B-B14F-4D97-AF65-F5344CB8AC3E}">
-        <p14:creationId xmlns:p14="http://schemas.microsoft.com/office/powerpoint/2010/main" val="323735850"/>
+        <p14:creationId xmlns:p14="http://schemas.microsoft.com/office/powerpoint/2010/main" val="3104733138"/>
       </p:ext>
     </p:extLst>
   </p:cSld>
@@ -3633,7 +3640,7 @@
           <p:cNvPr id="2" name="Title 1">
             <a:extLst>
               <a:ext uri="{FF2B5EF4-FFF2-40B4-BE49-F238E27FC236}">
-                <a16:creationId xmlns:a16="http://schemas.microsoft.com/office/drawing/2014/main" id="{484B3A21-0A9B-4A34-87DC-E1185C0AF52C}"/>
+                <a16:creationId xmlns:a16="http://schemas.microsoft.com/office/drawing/2014/main" id="{E92B2B91-CC00-408C-8036-602483CC0214}"/>
               </a:ext>
             </a:extLst>
           </p:cNvPr>
@@ -3646,14 +3653,30 @@
         </p:nvSpPr>
         <p:spPr/>
         <p:txBody>
-          <a:bodyPr/>
+          <a:bodyPr>
+            <a:normAutofit fontScale="90000"/>
+          </a:bodyPr>
           <a:lstStyle/>
           <a:p>
             <a:pPr algn="ctr"/>
-            <a:r>
+            <a:br>
               <a:rPr lang="en-US" dirty="0"/>
-              <a:t>Findings Discussion</a:t>
-            </a:r>
+            </a:br>
+            <a:r>
+              <a:rPr lang="en-US" dirty="0"/>
+              <a:t>Conclusion</a:t>
+            </a:r>
+            <a:br>
+              <a:rPr lang="en-US" dirty="0"/>
+            </a:br>
+            <a:r>
+              <a:rPr lang="en-US" dirty="0"/>
+              <a:t>Question 4</a:t>
+            </a:r>
+            <a:br>
+              <a:rPr lang="en-US" dirty="0"/>
+            </a:br>
+            <a:endParaRPr lang="en-US" dirty="0"/>
           </a:p>
         </p:txBody>
       </p:sp>
@@ -3662,7 +3685,7 @@
           <p:cNvPr id="3" name="Content Placeholder 2">
             <a:extLst>
               <a:ext uri="{FF2B5EF4-FFF2-40B4-BE49-F238E27FC236}">
-                <a16:creationId xmlns:a16="http://schemas.microsoft.com/office/drawing/2014/main" id="{D92D782C-68AA-4957-BB1E-1BF6F2ED4277}"/>
+                <a16:creationId xmlns:a16="http://schemas.microsoft.com/office/drawing/2014/main" id="{1F021B9E-E96C-46D0-9283-308CDB316014}"/>
               </a:ext>
             </a:extLst>
           </p:cNvPr>
@@ -3685,7 +3708,7 @@
     </p:spTree>
     <p:extLst>
       <p:ext uri="{BB962C8B-B14F-4D97-AF65-F5344CB8AC3E}">
-        <p14:creationId xmlns:p14="http://schemas.microsoft.com/office/powerpoint/2010/main" val="3660853234"/>
+        <p14:creationId xmlns:p14="http://schemas.microsoft.com/office/powerpoint/2010/main" val="323735850"/>
       </p:ext>
     </p:extLst>
   </p:cSld>
@@ -3717,7 +3740,7 @@
           <p:cNvPr id="2" name="Title 1">
             <a:extLst>
               <a:ext uri="{FF2B5EF4-FFF2-40B4-BE49-F238E27FC236}">
-                <a16:creationId xmlns:a16="http://schemas.microsoft.com/office/drawing/2014/main" id="{2E0C2AC8-CD8F-4FF4-9371-4E9F52F46C72}"/>
+                <a16:creationId xmlns:a16="http://schemas.microsoft.com/office/drawing/2014/main" id="{484B3A21-0A9B-4A34-87DC-E1185C0AF52C}"/>
               </a:ext>
             </a:extLst>
           </p:cNvPr>
@@ -3736,7 +3759,7 @@
             <a:pPr algn="ctr"/>
             <a:r>
               <a:rPr lang="en-US" dirty="0"/>
-              <a:t>Limitations &amp; Thinking Forward</a:t>
+              <a:t>Findings Discussion</a:t>
             </a:r>
           </a:p>
         </p:txBody>
@@ -3746,7 +3769,7 @@
           <p:cNvPr id="3" name="Content Placeholder 2">
             <a:extLst>
               <a:ext uri="{FF2B5EF4-FFF2-40B4-BE49-F238E27FC236}">
-                <a16:creationId xmlns:a16="http://schemas.microsoft.com/office/drawing/2014/main" id="{02F6C96F-8668-4403-85F4-200A6446D2BB}"/>
+                <a16:creationId xmlns:a16="http://schemas.microsoft.com/office/drawing/2014/main" id="{D92D782C-68AA-4957-BB1E-1BF6F2ED4277}"/>
               </a:ext>
             </a:extLst>
           </p:cNvPr>
@@ -3769,7 +3792,7 @@
     </p:spTree>
     <p:extLst>
       <p:ext uri="{BB962C8B-B14F-4D97-AF65-F5344CB8AC3E}">
-        <p14:creationId xmlns:p14="http://schemas.microsoft.com/office/powerpoint/2010/main" val="2528819849"/>
+        <p14:creationId xmlns:p14="http://schemas.microsoft.com/office/powerpoint/2010/main" val="3660853234"/>
       </p:ext>
     </p:extLst>
   </p:cSld>
@@ -3798,6 +3821,90 @@
       </p:grpSpPr>
       <p:sp>
         <p:nvSpPr>
+          <p:cNvPr id="2" name="Title 1">
+            <a:extLst>
+              <a:ext uri="{FF2B5EF4-FFF2-40B4-BE49-F238E27FC236}">
+                <a16:creationId xmlns:a16="http://schemas.microsoft.com/office/drawing/2014/main" id="{2E0C2AC8-CD8F-4FF4-9371-4E9F52F46C72}"/>
+              </a:ext>
+            </a:extLst>
+          </p:cNvPr>
+          <p:cNvSpPr>
+            <a:spLocks noGrp="1"/>
+          </p:cNvSpPr>
+          <p:nvPr>
+            <p:ph type="title"/>
+          </p:nvPr>
+        </p:nvSpPr>
+        <p:spPr/>
+        <p:txBody>
+          <a:bodyPr/>
+          <a:lstStyle/>
+          <a:p>
+            <a:pPr algn="ctr"/>
+            <a:r>
+              <a:rPr lang="en-US" dirty="0"/>
+              <a:t>Limitations &amp; Thinking Forward</a:t>
+            </a:r>
+          </a:p>
+        </p:txBody>
+      </p:sp>
+      <p:sp>
+        <p:nvSpPr>
+          <p:cNvPr id="3" name="Content Placeholder 2">
+            <a:extLst>
+              <a:ext uri="{FF2B5EF4-FFF2-40B4-BE49-F238E27FC236}">
+                <a16:creationId xmlns:a16="http://schemas.microsoft.com/office/drawing/2014/main" id="{02F6C96F-8668-4403-85F4-200A6446D2BB}"/>
+              </a:ext>
+            </a:extLst>
+          </p:cNvPr>
+          <p:cNvSpPr>
+            <a:spLocks noGrp="1"/>
+          </p:cNvSpPr>
+          <p:nvPr>
+            <p:ph idx="1"/>
+          </p:nvPr>
+        </p:nvSpPr>
+        <p:spPr/>
+        <p:txBody>
+          <a:bodyPr/>
+          <a:lstStyle/>
+          <a:p>
+            <a:endParaRPr lang="en-US"/>
+          </a:p>
+        </p:txBody>
+      </p:sp>
+    </p:spTree>
+    <p:extLst>
+      <p:ext uri="{BB962C8B-B14F-4D97-AF65-F5344CB8AC3E}">
+        <p14:creationId xmlns:p14="http://schemas.microsoft.com/office/powerpoint/2010/main" val="2528819849"/>
+      </p:ext>
+    </p:extLst>
+  </p:cSld>
+  <p:clrMapOvr>
+    <a:masterClrMapping/>
+  </p:clrMapOvr>
+</p:sld>
+</file>
+
+<file path=ppt/slides/slide14.xml><?xml version="1.0" encoding="utf-8"?>
+<p:sld xmlns:a="http://schemas.openxmlformats.org/drawingml/2006/main" xmlns:r="http://schemas.openxmlformats.org/officeDocument/2006/relationships" xmlns:p="http://schemas.openxmlformats.org/presentationml/2006/main">
+  <p:cSld>
+    <p:spTree>
+      <p:nvGrpSpPr>
+        <p:cNvPr id="1" name=""/>
+        <p:cNvGrpSpPr/>
+        <p:nvPr/>
+      </p:nvGrpSpPr>
+      <p:grpSpPr>
+        <a:xfrm>
+          <a:off x="0" y="0"/>
+          <a:ext cx="0" cy="0"/>
+          <a:chOff x="0" y="0"/>
+          <a:chExt cx="0" cy="0"/>
+        </a:xfrm>
+      </p:grpSpPr>
+      <p:sp>
+        <p:nvSpPr>
           <p:cNvPr id="4" name="Title 3">
             <a:extLst>
               <a:ext uri="{FF2B5EF4-FFF2-40B4-BE49-F238E27FC236}">
@@ -3838,7 +3945,91 @@
 </p:sld>
 </file>
 
-<file path=ppt/slides/slide14.xml><?xml version="1.0" encoding="utf-8"?>
+<file path=ppt/slides/slide15.xml><?xml version="1.0" encoding="utf-8"?>
+<p:sld xmlns:a="http://schemas.openxmlformats.org/drawingml/2006/main" xmlns:r="http://schemas.openxmlformats.org/officeDocument/2006/relationships" xmlns:p="http://schemas.openxmlformats.org/presentationml/2006/main">
+  <p:cSld>
+    <p:spTree>
+      <p:nvGrpSpPr>
+        <p:cNvPr id="1" name=""/>
+        <p:cNvGrpSpPr/>
+        <p:nvPr/>
+      </p:nvGrpSpPr>
+      <p:grpSpPr>
+        <a:xfrm>
+          <a:off x="0" y="0"/>
+          <a:ext cx="0" cy="0"/>
+          <a:chOff x="0" y="0"/>
+          <a:chExt cx="0" cy="0"/>
+        </a:xfrm>
+      </p:grpSpPr>
+      <p:sp>
+        <p:nvSpPr>
+          <p:cNvPr id="2" name="Title 1">
+            <a:extLst>
+              <a:ext uri="{FF2B5EF4-FFF2-40B4-BE49-F238E27FC236}">
+                <a16:creationId xmlns:a16="http://schemas.microsoft.com/office/drawing/2014/main" id="{85B43A2C-38CA-4558-B8F4-B026328211F6}"/>
+              </a:ext>
+            </a:extLst>
+          </p:cNvPr>
+          <p:cNvSpPr>
+            <a:spLocks noGrp="1"/>
+          </p:cNvSpPr>
+          <p:nvPr>
+            <p:ph type="title"/>
+          </p:nvPr>
+        </p:nvSpPr>
+        <p:spPr/>
+        <p:txBody>
+          <a:bodyPr/>
+          <a:lstStyle/>
+          <a:p>
+            <a:pPr algn="ctr"/>
+            <a:r>
+              <a:rPr lang="en-US" dirty="0"/>
+              <a:t>References &amp; Resources</a:t>
+            </a:r>
+          </a:p>
+        </p:txBody>
+      </p:sp>
+      <p:sp>
+        <p:nvSpPr>
+          <p:cNvPr id="3" name="Content Placeholder 2">
+            <a:extLst>
+              <a:ext uri="{FF2B5EF4-FFF2-40B4-BE49-F238E27FC236}">
+                <a16:creationId xmlns:a16="http://schemas.microsoft.com/office/drawing/2014/main" id="{20A4C60F-7BEA-470C-9C70-A9A7ABB43FBF}"/>
+              </a:ext>
+            </a:extLst>
+          </p:cNvPr>
+          <p:cNvSpPr>
+            <a:spLocks noGrp="1"/>
+          </p:cNvSpPr>
+          <p:nvPr>
+            <p:ph idx="1"/>
+          </p:nvPr>
+        </p:nvSpPr>
+        <p:spPr/>
+        <p:txBody>
+          <a:bodyPr/>
+          <a:lstStyle/>
+          <a:p>
+            <a:endParaRPr lang="en-US" dirty="0"/>
+          </a:p>
+        </p:txBody>
+      </p:sp>
+    </p:spTree>
+    <p:extLst>
+      <p:ext uri="{BB962C8B-B14F-4D97-AF65-F5344CB8AC3E}">
+        <p14:creationId xmlns:p14="http://schemas.microsoft.com/office/powerpoint/2010/main" val="2240676627"/>
+      </p:ext>
+    </p:extLst>
+  </p:cSld>
+  <p:clrMapOvr>
+    <a:masterClrMapping/>
+  </p:clrMapOvr>
+</p:sld>
+</file>
+
+<file path=ppt/slides/slide16.xml><?xml version="1.0" encoding="utf-8"?>
 <p:sld xmlns:a="http://schemas.openxmlformats.org/drawingml/2006/main" xmlns:r="http://schemas.openxmlformats.org/officeDocument/2006/relationships" xmlns:p="http://schemas.openxmlformats.org/presentationml/2006/main">
   <p:cSld>
     <p:spTree>
@@ -4051,7 +4242,7 @@
           <p:cNvPr id="2" name="Title 1">
             <a:extLst>
               <a:ext uri="{FF2B5EF4-FFF2-40B4-BE49-F238E27FC236}">
-                <a16:creationId xmlns:a16="http://schemas.microsoft.com/office/drawing/2014/main" id="{D8D24866-E4A9-495C-B759-7F334FF63E37}"/>
+                <a16:creationId xmlns:a16="http://schemas.microsoft.com/office/drawing/2014/main" id="{A352170E-DD39-47F2-901E-EFD58F1BF311}"/>
               </a:ext>
             </a:extLst>
           </p:cNvPr>
@@ -4070,7 +4261,7 @@
             <a:pPr algn="ctr"/>
             <a:r>
               <a:rPr lang="en-US" dirty="0"/>
-              <a:t>Research Questions</a:t>
+              <a:t>Hate Crime Defined</a:t>
             </a:r>
           </a:p>
         </p:txBody>
@@ -4080,7 +4271,7 @@
           <p:cNvPr id="3" name="Content Placeholder 2">
             <a:extLst>
               <a:ext uri="{FF2B5EF4-FFF2-40B4-BE49-F238E27FC236}">
-                <a16:creationId xmlns:a16="http://schemas.microsoft.com/office/drawing/2014/main" id="{58B76737-CB2C-4A4D-9957-E066B35BA6AD}"/>
+                <a16:creationId xmlns:a16="http://schemas.microsoft.com/office/drawing/2014/main" id="{1E58D560-AE4C-49A3-9655-2C6891F2AB77}"/>
               </a:ext>
             </a:extLst>
           </p:cNvPr>
@@ -4093,113 +4284,17 @@
         </p:nvSpPr>
         <p:spPr/>
         <p:txBody>
-          <a:bodyPr>
-            <a:normAutofit lnSpcReduction="10000"/>
-          </a:bodyPr>
-          <a:lstStyle/>
-          <a:p>
-            <a:pPr marL="0" indent="0">
-              <a:buNone/>
-            </a:pPr>
-            <a:r>
-              <a:rPr lang="en-US" dirty="0"/>
-              <a:t>1. </a:t>
-            </a:r>
-            <a:r>
-              <a:rPr lang="en-US" b="1" dirty="0"/>
-              <a:t>What is the trend of hate crimes from 2007 – 2017? </a:t>
-            </a:r>
-          </a:p>
-          <a:p>
-            <a:pPr marL="457200" lvl="1" indent="0">
-              <a:buNone/>
-            </a:pPr>
-            <a:r>
-              <a:rPr lang="en-US" sz="2800" dirty="0"/>
-              <a:t>a. Trend of demographic groups committing hate crimes </a:t>
-            </a:r>
-          </a:p>
-          <a:p>
-            <a:pPr marL="457200" lvl="1" indent="0">
-              <a:buNone/>
-            </a:pPr>
-            <a:r>
-              <a:rPr lang="en-US" sz="2800" dirty="0"/>
-              <a:t>b. Trend of demographic groups victimized by hate crimes </a:t>
-            </a:r>
-          </a:p>
-          <a:p>
-            <a:pPr marL="0" indent="0">
-              <a:buNone/>
-            </a:pPr>
-            <a:r>
-              <a:rPr lang="en-US" dirty="0"/>
-              <a:t>2. </a:t>
-            </a:r>
-            <a:r>
-              <a:rPr lang="en-US" b="1" dirty="0"/>
-              <a:t>What is the trend of offense types that include hate crimes? </a:t>
-            </a:r>
-          </a:p>
-          <a:p>
-            <a:pPr marL="457200" lvl="1" indent="0">
-              <a:buNone/>
-            </a:pPr>
-            <a:r>
-              <a:rPr lang="en-US" sz="2800" dirty="0"/>
-              <a:t>a. Is there a trend between the offense type and bias description? </a:t>
-            </a:r>
-          </a:p>
-          <a:p>
-            <a:pPr marL="0" indent="0">
-              <a:buNone/>
-            </a:pPr>
-            <a:r>
-              <a:rPr lang="en-US" dirty="0"/>
-              <a:t>3. </a:t>
-            </a:r>
-            <a:r>
-              <a:rPr lang="en-US" b="1" dirty="0"/>
-              <a:t>Where are hate crimes most likely to occur?</a:t>
-            </a:r>
-          </a:p>
-          <a:p>
-            <a:pPr marL="0" indent="0">
-              <a:buNone/>
-            </a:pPr>
-            <a:r>
-              <a:rPr lang="en-US" dirty="0"/>
-              <a:t>      a. What states hold the highest percentage of hate crimes? </a:t>
-            </a:r>
-          </a:p>
-          <a:p>
-            <a:pPr marL="0" indent="0">
-              <a:buNone/>
-            </a:pPr>
-            <a:r>
-              <a:rPr lang="en-US" dirty="0"/>
-              <a:t>      b. What locations have a higher chance for a hate crime to occur? </a:t>
-            </a:r>
-          </a:p>
-          <a:p>
-            <a:pPr marL="0" indent="0">
-              <a:buNone/>
-            </a:pPr>
-            <a:r>
-              <a:rPr lang="en-US" dirty="0"/>
-              <a:t>4.  </a:t>
-            </a:r>
-            <a:r>
-              <a:rPr lang="en-US" b="1" dirty="0"/>
-              <a:t>What is the fluctuation of hate crimes rates on a monthly basis? </a:t>
-            </a:r>
+          <a:bodyPr/>
+          <a:lstStyle/>
+          <a:p>
+            <a:endParaRPr lang="en-US" dirty="0"/>
           </a:p>
         </p:txBody>
       </p:sp>
     </p:spTree>
     <p:extLst>
       <p:ext uri="{BB962C8B-B14F-4D97-AF65-F5344CB8AC3E}">
-        <p14:creationId xmlns:p14="http://schemas.microsoft.com/office/powerpoint/2010/main" val="3512128187"/>
+        <p14:creationId xmlns:p14="http://schemas.microsoft.com/office/powerpoint/2010/main" val="1112584309"/>
       </p:ext>
     </p:extLst>
   </p:cSld>
@@ -4231,7 +4326,7 @@
           <p:cNvPr id="2" name="Title 1">
             <a:extLst>
               <a:ext uri="{FF2B5EF4-FFF2-40B4-BE49-F238E27FC236}">
-                <a16:creationId xmlns:a16="http://schemas.microsoft.com/office/drawing/2014/main" id="{2C9F05DB-679C-4CD7-AE70-3325A96F74CC}"/>
+                <a16:creationId xmlns:a16="http://schemas.microsoft.com/office/drawing/2014/main" id="{D8D24866-E4A9-495C-B759-7F334FF63E37}"/>
               </a:ext>
             </a:extLst>
           </p:cNvPr>
@@ -4250,7 +4345,7 @@
             <a:pPr algn="ctr"/>
             <a:r>
               <a:rPr lang="en-US" dirty="0"/>
-              <a:t>Data Acquisition</a:t>
+              <a:t>Research Questions</a:t>
             </a:r>
           </a:p>
         </p:txBody>
@@ -4260,7 +4355,7 @@
           <p:cNvPr id="3" name="Content Placeholder 2">
             <a:extLst>
               <a:ext uri="{FF2B5EF4-FFF2-40B4-BE49-F238E27FC236}">
-                <a16:creationId xmlns:a16="http://schemas.microsoft.com/office/drawing/2014/main" id="{2CDBAC6E-2C9C-4D69-9EAB-52F76C20E9A4}"/>
+                <a16:creationId xmlns:a16="http://schemas.microsoft.com/office/drawing/2014/main" id="{58B76737-CB2C-4A4D-9957-E066B35BA6AD}"/>
               </a:ext>
             </a:extLst>
           </p:cNvPr>
@@ -4273,17 +4368,113 @@
         </p:nvSpPr>
         <p:spPr/>
         <p:txBody>
-          <a:bodyPr/>
-          <a:lstStyle/>
-          <a:p>
-            <a:endParaRPr lang="en-US" dirty="0"/>
+          <a:bodyPr>
+            <a:normAutofit lnSpcReduction="10000"/>
+          </a:bodyPr>
+          <a:lstStyle/>
+          <a:p>
+            <a:pPr marL="0" indent="0">
+              <a:buNone/>
+            </a:pPr>
+            <a:r>
+              <a:rPr lang="en-US" dirty="0"/>
+              <a:t>1. </a:t>
+            </a:r>
+            <a:r>
+              <a:rPr lang="en-US" b="1" dirty="0"/>
+              <a:t>What is the trend of hate crimes from 2007 – 2017? </a:t>
+            </a:r>
+          </a:p>
+          <a:p>
+            <a:pPr marL="457200" lvl="1" indent="0">
+              <a:buNone/>
+            </a:pPr>
+            <a:r>
+              <a:rPr lang="en-US" sz="2800" dirty="0"/>
+              <a:t>a. Trend of demographic groups committing hate crimes </a:t>
+            </a:r>
+          </a:p>
+          <a:p>
+            <a:pPr marL="457200" lvl="1" indent="0">
+              <a:buNone/>
+            </a:pPr>
+            <a:r>
+              <a:rPr lang="en-US" sz="2800" dirty="0"/>
+              <a:t>b. Trend of demographic groups victimized by hate crimes </a:t>
+            </a:r>
+          </a:p>
+          <a:p>
+            <a:pPr marL="0" indent="0">
+              <a:buNone/>
+            </a:pPr>
+            <a:r>
+              <a:rPr lang="en-US" dirty="0"/>
+              <a:t>2. </a:t>
+            </a:r>
+            <a:r>
+              <a:rPr lang="en-US" b="1" dirty="0"/>
+              <a:t>What is the trend of offense types that include hate crimes? </a:t>
+            </a:r>
+          </a:p>
+          <a:p>
+            <a:pPr marL="457200" lvl="1" indent="0">
+              <a:buNone/>
+            </a:pPr>
+            <a:r>
+              <a:rPr lang="en-US" sz="2800" dirty="0"/>
+              <a:t>a. Is there a trend between the offense type and bias description? </a:t>
+            </a:r>
+          </a:p>
+          <a:p>
+            <a:pPr marL="0" indent="0">
+              <a:buNone/>
+            </a:pPr>
+            <a:r>
+              <a:rPr lang="en-US" dirty="0"/>
+              <a:t>3. </a:t>
+            </a:r>
+            <a:r>
+              <a:rPr lang="en-US" b="1" dirty="0"/>
+              <a:t>Where are hate crimes most likely to occur?</a:t>
+            </a:r>
+          </a:p>
+          <a:p>
+            <a:pPr marL="0" indent="0">
+              <a:buNone/>
+            </a:pPr>
+            <a:r>
+              <a:rPr lang="en-US" dirty="0"/>
+              <a:t>      a. What states hold the highest percentage of hate crimes? </a:t>
+            </a:r>
+          </a:p>
+          <a:p>
+            <a:pPr marL="0" indent="0">
+              <a:buNone/>
+            </a:pPr>
+            <a:r>
+              <a:rPr lang="en-US" dirty="0"/>
+              <a:t>      b. What locations have a higher chance for a hate crime to occur? </a:t>
+            </a:r>
+          </a:p>
+          <a:p>
+            <a:pPr marL="0" indent="0">
+              <a:buNone/>
+            </a:pPr>
+            <a:r>
+              <a:rPr lang="en-US" dirty="0"/>
+              <a:t>4.  </a:t>
+            </a:r>
+            <a:r>
+              <a:rPr lang="en-US" b="1" dirty="0"/>
+              <a:t>What is the fluctuation of hate crimes rates on a monthly basis? </a:t>
+            </a:r>
           </a:p>
         </p:txBody>
       </p:sp>
     </p:spTree>
     <p:extLst>
       <p:ext uri="{BB962C8B-B14F-4D97-AF65-F5344CB8AC3E}">
-        <p14:creationId xmlns:p14="http://schemas.microsoft.com/office/powerpoint/2010/main" val="1843907886"/>
+        <p14:creationId xmlns:p14="http://schemas.microsoft.com/office/powerpoint/2010/main" val="3512128187"/>
       </p:ext>
     </p:extLst>
   </p:cSld>
@@ -4315,7 +4506,7 @@
           <p:cNvPr id="2" name="Title 1">
             <a:extLst>
               <a:ext uri="{FF2B5EF4-FFF2-40B4-BE49-F238E27FC236}">
-                <a16:creationId xmlns:a16="http://schemas.microsoft.com/office/drawing/2014/main" id="{7A3B9107-93A4-4875-ADF2-8C82B72CD65C}"/>
+                <a16:creationId xmlns:a16="http://schemas.microsoft.com/office/drawing/2014/main" id="{2C9F05DB-679C-4CD7-AE70-3325A96F74CC}"/>
               </a:ext>
             </a:extLst>
           </p:cNvPr>
@@ -4334,7 +4525,7 @@
             <a:pPr algn="ctr"/>
             <a:r>
               <a:rPr lang="en-US" dirty="0"/>
-              <a:t>Data Preparation &amp; Cleaning</a:t>
+              <a:t>Data Acquisition</a:t>
             </a:r>
           </a:p>
         </p:txBody>
@@ -4344,7 +4535,7 @@
           <p:cNvPr id="3" name="Content Placeholder 2">
             <a:extLst>
               <a:ext uri="{FF2B5EF4-FFF2-40B4-BE49-F238E27FC236}">
-                <a16:creationId xmlns:a16="http://schemas.microsoft.com/office/drawing/2014/main" id="{170D669E-85CC-484A-BDAE-175618999F93}"/>
+                <a16:creationId xmlns:a16="http://schemas.microsoft.com/office/drawing/2014/main" id="{2CDBAC6E-2C9C-4D69-9EAB-52F76C20E9A4}"/>
               </a:ext>
             </a:extLst>
           </p:cNvPr>
@@ -4360,23 +4551,14 @@
           <a:bodyPr/>
           <a:lstStyle/>
           <a:p>
-            <a:r>
-              <a:rPr lang="en-US" dirty="0"/>
-              <a:t>Downloadable data file contained years 1991-2017; removed years outside of analysis time frame of 2007-2017.</a:t>
-            </a:r>
-          </a:p>
-          <a:p>
-            <a:r>
-              <a:rPr lang="en-US" dirty="0"/>
-              <a:t>Any missing variables to deal with?</a:t>
-            </a:r>
+            <a:endParaRPr lang="en-US" dirty="0"/>
           </a:p>
         </p:txBody>
       </p:sp>
     </p:spTree>
     <p:extLst>
       <p:ext uri="{BB962C8B-B14F-4D97-AF65-F5344CB8AC3E}">
-        <p14:creationId xmlns:p14="http://schemas.microsoft.com/office/powerpoint/2010/main" val="2780665746"/>
+        <p14:creationId xmlns:p14="http://schemas.microsoft.com/office/powerpoint/2010/main" val="1843907886"/>
       </p:ext>
     </p:extLst>
   </p:cSld>
@@ -4408,7 +4590,7 @@
           <p:cNvPr id="2" name="Title 1">
             <a:extLst>
               <a:ext uri="{FF2B5EF4-FFF2-40B4-BE49-F238E27FC236}">
-                <a16:creationId xmlns:a16="http://schemas.microsoft.com/office/drawing/2014/main" id="{39E0972E-D478-4B07-AC37-031CE23DDC60}"/>
+                <a16:creationId xmlns:a16="http://schemas.microsoft.com/office/drawing/2014/main" id="{7A3B9107-93A4-4875-ADF2-8C82B72CD65C}"/>
               </a:ext>
             </a:extLst>
           </p:cNvPr>
@@ -4427,7 +4609,7 @@
             <a:pPr algn="ctr"/>
             <a:r>
               <a:rPr lang="en-US" dirty="0"/>
-              <a:t>Data Analysis Process</a:t>
+              <a:t>Data Preparation &amp; Cleaning</a:t>
             </a:r>
           </a:p>
         </p:txBody>
@@ -4437,7 +4619,7 @@
           <p:cNvPr id="3" name="Content Placeholder 2">
             <a:extLst>
               <a:ext uri="{FF2B5EF4-FFF2-40B4-BE49-F238E27FC236}">
-                <a16:creationId xmlns:a16="http://schemas.microsoft.com/office/drawing/2014/main" id="{C66A58CB-047F-46BD-8416-65E84F87C5D0}"/>
+                <a16:creationId xmlns:a16="http://schemas.microsoft.com/office/drawing/2014/main" id="{170D669E-85CC-484A-BDAE-175618999F93}"/>
               </a:ext>
             </a:extLst>
           </p:cNvPr>
@@ -4453,14 +4635,23 @@
           <a:bodyPr/>
           <a:lstStyle/>
           <a:p>
-            <a:endParaRPr lang="en-US"/>
+            <a:r>
+              <a:rPr lang="en-US" dirty="0"/>
+              <a:t>Downloadable data file contained years 1991-2017; removed years outside of analysis time frame of 2007-2017.</a:t>
+            </a:r>
+          </a:p>
+          <a:p>
+            <a:r>
+              <a:rPr lang="en-US" dirty="0"/>
+              <a:t>Any missing variables to deal with?</a:t>
+            </a:r>
           </a:p>
         </p:txBody>
       </p:sp>
     </p:spTree>
     <p:extLst>
       <p:ext uri="{BB962C8B-B14F-4D97-AF65-F5344CB8AC3E}">
-        <p14:creationId xmlns:p14="http://schemas.microsoft.com/office/powerpoint/2010/main" val="1974974422"/>
+        <p14:creationId xmlns:p14="http://schemas.microsoft.com/office/powerpoint/2010/main" val="2780665746"/>
       </p:ext>
     </p:extLst>
   </p:cSld>
@@ -4492,7 +4683,7 @@
           <p:cNvPr id="2" name="Title 1">
             <a:extLst>
               <a:ext uri="{FF2B5EF4-FFF2-40B4-BE49-F238E27FC236}">
-                <a16:creationId xmlns:a16="http://schemas.microsoft.com/office/drawing/2014/main" id="{9B3E013B-CDBA-40D0-B003-F726E34333C4}"/>
+                <a16:creationId xmlns:a16="http://schemas.microsoft.com/office/drawing/2014/main" id="{39E0972E-D478-4B07-AC37-031CE23DDC60}"/>
               </a:ext>
             </a:extLst>
           </p:cNvPr>
@@ -4505,39 +4696,23 @@
         </p:nvSpPr>
         <p:spPr/>
         <p:txBody>
-          <a:bodyPr>
-            <a:normAutofit fontScale="90000"/>
-          </a:bodyPr>
+          <a:bodyPr/>
           <a:lstStyle/>
           <a:p>
             <a:pPr algn="ctr"/>
-            <a:br>
+            <a:r>
               <a:rPr lang="en-US" dirty="0"/>
-            </a:br>
-            <a:r>
-              <a:rPr lang="en-US" dirty="0"/>
-              <a:t>Conclusion</a:t>
-            </a:r>
-            <a:br>
-              <a:rPr lang="en-US" dirty="0"/>
-            </a:br>
-            <a:r>
-              <a:rPr lang="en-US" dirty="0"/>
-              <a:t>Question 1</a:t>
-            </a:r>
-            <a:br>
-              <a:rPr lang="en-US" dirty="0"/>
-            </a:br>
-            <a:endParaRPr lang="en-US" dirty="0"/>
-          </a:p>
-        </p:txBody>
-      </p:sp>
-      <p:sp>
-        <p:nvSpPr>
-          <p:cNvPr id="4" name="Content Placeholder 3">
-            <a:extLst>
-              <a:ext uri="{FF2B5EF4-FFF2-40B4-BE49-F238E27FC236}">
-                <a16:creationId xmlns:a16="http://schemas.microsoft.com/office/drawing/2014/main" id="{EFDCDA42-BFEB-4CE7-801E-584FF26EE34A}"/>
+              <a:t>Data Analysis Process</a:t>
+            </a:r>
+          </a:p>
+        </p:txBody>
+      </p:sp>
+      <p:sp>
+        <p:nvSpPr>
+          <p:cNvPr id="3" name="Content Placeholder 2">
+            <a:extLst>
+              <a:ext uri="{FF2B5EF4-FFF2-40B4-BE49-F238E27FC236}">
+                <a16:creationId xmlns:a16="http://schemas.microsoft.com/office/drawing/2014/main" id="{C66A58CB-047F-46BD-8416-65E84F87C5D0}"/>
               </a:ext>
             </a:extLst>
           </p:cNvPr>
@@ -4553,29 +4728,14 @@
           <a:bodyPr/>
           <a:lstStyle/>
           <a:p>
-            <a:r>
-              <a:rPr lang="en-US" dirty="0"/>
-              <a:t>Include graph and high level Numbers/notes</a:t>
-            </a:r>
-          </a:p>
-          <a:p>
-            <a:r>
-              <a:rPr lang="en-US" dirty="0"/>
-              <a:t>Do we want only one graph per slide?  Each question will have multiple conclusion slides. </a:t>
-            </a:r>
-          </a:p>
-          <a:p>
-            <a:r>
-              <a:rPr lang="en-US" dirty="0"/>
-              <a:t>We can figure the best formatting when we have graphs, do one slide how we like and adjust then make all other slides consistent.</a:t>
-            </a:r>
+            <a:endParaRPr lang="en-US"/>
           </a:p>
         </p:txBody>
       </p:sp>
     </p:spTree>
     <p:extLst>
       <p:ext uri="{BB962C8B-B14F-4D97-AF65-F5344CB8AC3E}">
-        <p14:creationId xmlns:p14="http://schemas.microsoft.com/office/powerpoint/2010/main" val="2217059471"/>
+        <p14:creationId xmlns:p14="http://schemas.microsoft.com/office/powerpoint/2010/main" val="1974974422"/>
       </p:ext>
     </p:extLst>
   </p:cSld>
@@ -4607,7 +4767,7 @@
           <p:cNvPr id="2" name="Title 1">
             <a:extLst>
               <a:ext uri="{FF2B5EF4-FFF2-40B4-BE49-F238E27FC236}">
-                <a16:creationId xmlns:a16="http://schemas.microsoft.com/office/drawing/2014/main" id="{C8465AD2-490E-47CD-BF17-DF679E0D4E7F}"/>
+                <a16:creationId xmlns:a16="http://schemas.microsoft.com/office/drawing/2014/main" id="{9B3E013B-CDBA-40D0-B003-F726E34333C4}"/>
               </a:ext>
             </a:extLst>
           </p:cNvPr>
@@ -4638,7 +4798,7 @@
             </a:br>
             <a:r>
               <a:rPr lang="en-US" dirty="0"/>
-              <a:t>Question 2</a:t>
+              <a:t>Question 1</a:t>
             </a:r>
             <a:br>
               <a:rPr lang="en-US" dirty="0"/>
@@ -4649,10 +4809,10 @@
       </p:sp>
       <p:sp>
         <p:nvSpPr>
-          <p:cNvPr id="3" name="Content Placeholder 2">
-            <a:extLst>
-              <a:ext uri="{FF2B5EF4-FFF2-40B4-BE49-F238E27FC236}">
-                <a16:creationId xmlns:a16="http://schemas.microsoft.com/office/drawing/2014/main" id="{54CEDF6A-9BDE-4968-9560-59A29D12A76F}"/>
+          <p:cNvPr id="4" name="Content Placeholder 3">
+            <a:extLst>
+              <a:ext uri="{FF2B5EF4-FFF2-40B4-BE49-F238E27FC236}">
+                <a16:creationId xmlns:a16="http://schemas.microsoft.com/office/drawing/2014/main" id="{EFDCDA42-BFEB-4CE7-801E-584FF26EE34A}"/>
               </a:ext>
             </a:extLst>
           </p:cNvPr>
@@ -4668,14 +4828,29 @@
           <a:bodyPr/>
           <a:lstStyle/>
           <a:p>
-            <a:endParaRPr lang="en-US"/>
+            <a:r>
+              <a:rPr lang="en-US" dirty="0"/>
+              <a:t>Include graph and high level Numbers/notes</a:t>
+            </a:r>
+          </a:p>
+          <a:p>
+            <a:r>
+              <a:rPr lang="en-US" dirty="0"/>
+              <a:t>Do we want only one graph per slide?  Each question will have multiple conclusion slides. </a:t>
+            </a:r>
+          </a:p>
+          <a:p>
+            <a:r>
+              <a:rPr lang="en-US" dirty="0"/>
+              <a:t>We can figure the best formatting when we have graphs, do one slide how we like and adjust then make all other slides consistent.</a:t>
+            </a:r>
           </a:p>
         </p:txBody>
       </p:sp>
     </p:spTree>
     <p:extLst>
       <p:ext uri="{BB962C8B-B14F-4D97-AF65-F5344CB8AC3E}">
-        <p14:creationId xmlns:p14="http://schemas.microsoft.com/office/powerpoint/2010/main" val="3978353551"/>
+        <p14:creationId xmlns:p14="http://schemas.microsoft.com/office/powerpoint/2010/main" val="2217059471"/>
       </p:ext>
     </p:extLst>
   </p:cSld>
@@ -4707,7 +4882,7 @@
           <p:cNvPr id="2" name="Title 1">
             <a:extLst>
               <a:ext uri="{FF2B5EF4-FFF2-40B4-BE49-F238E27FC236}">
-                <a16:creationId xmlns:a16="http://schemas.microsoft.com/office/drawing/2014/main" id="{989869D5-CB99-4722-8576-F9723D726379}"/>
+                <a16:creationId xmlns:a16="http://schemas.microsoft.com/office/drawing/2014/main" id="{C8465AD2-490E-47CD-BF17-DF679E0D4E7F}"/>
               </a:ext>
             </a:extLst>
           </p:cNvPr>
@@ -4738,7 +4913,7 @@
             </a:br>
             <a:r>
               <a:rPr lang="en-US" dirty="0"/>
-              <a:t>Question 3</a:t>
+              <a:t>Question 2</a:t>
             </a:r>
             <a:br>
               <a:rPr lang="en-US" dirty="0"/>
@@ -4752,7 +4927,7 @@
           <p:cNvPr id="3" name="Content Placeholder 2">
             <a:extLst>
               <a:ext uri="{FF2B5EF4-FFF2-40B4-BE49-F238E27FC236}">
-                <a16:creationId xmlns:a16="http://schemas.microsoft.com/office/drawing/2014/main" id="{71C9FC38-AA34-4B5F-8327-29B70C7852ED}"/>
+                <a16:creationId xmlns:a16="http://schemas.microsoft.com/office/drawing/2014/main" id="{54CEDF6A-9BDE-4968-9560-59A29D12A76F}"/>
               </a:ext>
             </a:extLst>
           </p:cNvPr>
@@ -4775,7 +4950,7 @@
     </p:spTree>
     <p:extLst>
       <p:ext uri="{BB962C8B-B14F-4D97-AF65-F5344CB8AC3E}">
-        <p14:creationId xmlns:p14="http://schemas.microsoft.com/office/powerpoint/2010/main" val="3104733138"/>
+        <p14:creationId xmlns:p14="http://schemas.microsoft.com/office/powerpoint/2010/main" val="3978353551"/>
       </p:ext>
     </p:extLst>
   </p:cSld>
